--- a/TestACE/Report TestACE_20180131.pptx
+++ b/TestACE/Report TestACE_20180131.pptx
@@ -156,6 +156,18 @@
 </p:presentation>
 </file>
 
+<file path=ppt/commentAuthors.xml><?xml version="1.0" encoding="utf-8"?>
+<p:cmAuthorLst xmlns:a="http://schemas.openxmlformats.org/drawingml/2006/main" xmlns:r="http://schemas.openxmlformats.org/officeDocument/2006/relationships" xmlns:p="http://schemas.openxmlformats.org/presentationml/2006/main">
+  <p:cmAuthor id="1" name="van-thanh" initials="v" lastIdx="1" clrIdx="0">
+    <p:extLst>
+      <p:ext uri="{19B8F6BF-5375-455C-9EA6-DF929625EA0E}">
+        <p15:presenceInfo xmlns:p15="http://schemas.microsoft.com/office/powerpoint/2012/main" userId="van-thanh" providerId="None"/>
+      </p:ext>
+    </p:extLst>
+  </p:cmAuthor>
+</p:cmAuthorLst>
+</file>
+
 <file path=ppt/revisionInfo.xml><?xml version="1.0" encoding="utf-8"?>
 <p1510:revInfo xmlns:a="http://schemas.openxmlformats.org/drawingml/2006/main" xmlns:r="http://schemas.openxmlformats.org/officeDocument/2006/relationships" xmlns:p1510="http://schemas.microsoft.com/office/powerpoint/2015/10/main"/>
 </file>
@@ -242,7 +254,7 @@
           <a:p>
             <a:fld id="{B687577F-0D1E-4A59-8F56-8613CA9ADF5B}" type="datetimeFigureOut">
               <a:rPr kumimoji="1" lang="ja-JP" altLang="en-US" smtClean="0"/>
-              <a:t>2018/2/1</a:t>
+              <a:t>2018/2/2</a:t>
             </a:fld>
             <a:endParaRPr kumimoji="1" lang="ja-JP" altLang="en-US"/>
           </a:p>
@@ -2436,7 +2448,7 @@
           <a:p>
             <a:fld id="{1F2B8C91-D460-4631-A589-D711838953B7}" type="datetime1">
               <a:rPr lang="ja-JP" altLang="en-US" smtClean="0"/>
-              <a:t>2018/2/1</a:t>
+              <a:t>2018/2/2</a:t>
             </a:fld>
             <a:endParaRPr lang="en-US" dirty="0"/>
           </a:p>
@@ -2641,7 +2653,7 @@
           <a:p>
             <a:fld id="{007EB5D2-6EC9-4218-BA1D-7E2C8EE42EE1}" type="datetime1">
               <a:rPr lang="ja-JP" altLang="en-US" smtClean="0"/>
-              <a:t>2018/2/1</a:t>
+              <a:t>2018/2/2</a:t>
             </a:fld>
             <a:endParaRPr lang="en-US" dirty="0"/>
           </a:p>
@@ -2821,7 +2833,7 @@
           <a:p>
             <a:fld id="{9BCCE762-C08F-406B-87F7-AD6862A92762}" type="datetime1">
               <a:rPr lang="ja-JP" altLang="en-US" smtClean="0"/>
-              <a:t>2018/2/1</a:t>
+              <a:t>2018/2/2</a:t>
             </a:fld>
             <a:endParaRPr lang="en-US" dirty="0"/>
           </a:p>
@@ -2991,7 +3003,7 @@
           <a:p>
             <a:fld id="{AFD8C9F0-02EB-4A41-A3D8-A4B8388840CD}" type="datetime1">
               <a:rPr lang="ja-JP" altLang="en-US" smtClean="0"/>
-              <a:t>2018/2/1</a:t>
+              <a:t>2018/2/2</a:t>
             </a:fld>
             <a:endParaRPr lang="en-US" dirty="0"/>
           </a:p>
@@ -3244,7 +3256,7 @@
           <a:p>
             <a:fld id="{6B423585-F1F1-45F3-88AA-9E37ACA5A51C}" type="datetime1">
               <a:rPr lang="ja-JP" altLang="en-US" smtClean="0"/>
-              <a:t>2018/2/1</a:t>
+              <a:t>2018/2/2</a:t>
             </a:fld>
             <a:endParaRPr lang="en-US" dirty="0"/>
           </a:p>
@@ -3567,7 +3579,7 @@
           <a:p>
             <a:fld id="{03D8C74F-A28F-42CA-9F6F-89269571DDE2}" type="datetime1">
               <a:rPr lang="ja-JP" altLang="en-US" smtClean="0"/>
-              <a:t>2018/2/1</a:t>
+              <a:t>2018/2/2</a:t>
             </a:fld>
             <a:endParaRPr lang="en-US" dirty="0"/>
           </a:p>
@@ -4038,7 +4050,7 @@
           <a:p>
             <a:fld id="{CBE68CCC-EA1A-48B4-9393-193D57704F58}" type="datetime1">
               <a:rPr lang="ja-JP" altLang="en-US" smtClean="0"/>
-              <a:t>2018/2/1</a:t>
+              <a:t>2018/2/2</a:t>
             </a:fld>
             <a:endParaRPr lang="en-US" dirty="0"/>
           </a:p>
@@ -4191,7 +4203,7 @@
           <a:p>
             <a:fld id="{75624922-A4A1-4949-98B1-2510BA045BF3}" type="datetime1">
               <a:rPr lang="ja-JP" altLang="en-US" smtClean="0"/>
-              <a:t>2018/2/1</a:t>
+              <a:t>2018/2/2</a:t>
             </a:fld>
             <a:endParaRPr lang="en-US" dirty="0"/>
           </a:p>
@@ -4286,7 +4298,7 @@
           <a:p>
             <a:fld id="{0CFA8C72-E184-4A4C-96F9-27EB60D60E4D}" type="datetime1">
               <a:rPr lang="ja-JP" altLang="en-US" smtClean="0"/>
-              <a:t>2018/2/1</a:t>
+              <a:t>2018/2/2</a:t>
             </a:fld>
             <a:endParaRPr lang="en-US" dirty="0"/>
           </a:p>
@@ -4565,7 +4577,7 @@
           <a:p>
             <a:fld id="{EEEDB99A-C8B3-4481-ABF6-15C442DD0B25}" type="datetime1">
               <a:rPr lang="ja-JP" altLang="en-US" smtClean="0"/>
-              <a:t>2018/2/1</a:t>
+              <a:t>2018/2/2</a:t>
             </a:fld>
             <a:endParaRPr lang="en-US" dirty="0"/>
           </a:p>
@@ -4875,7 +4887,7 @@
           <a:p>
             <a:fld id="{0B9AE409-9887-41BF-80EF-F38C03CCB4A5}" type="datetime1">
               <a:rPr lang="ja-JP" altLang="en-US" smtClean="0"/>
-              <a:t>2018/2/1</a:t>
+              <a:t>2018/2/2</a:t>
             </a:fld>
             <a:endParaRPr lang="en-US" dirty="0"/>
           </a:p>
@@ -5178,7 +5190,7 @@
           <a:p>
             <a:fld id="{918F5B78-8F87-4961-9503-9E4A429D7D59}" type="datetime1">
               <a:rPr lang="ja-JP" altLang="en-US" smtClean="0"/>
-              <a:t>2018/2/1</a:t>
+              <a:t>2018/2/2</a:t>
             </a:fld>
             <a:endParaRPr lang="en-US" dirty="0"/>
           </a:p>
@@ -5583,105 +5595,6 @@
       </p:grpSpPr>
       <p:sp>
         <p:nvSpPr>
-          <p:cNvPr id="2" name="Title 1"/>
-          <p:cNvSpPr>
-            <a:spLocks noGrp="1"/>
-          </p:cNvSpPr>
-          <p:nvPr>
-            <p:ph type="ctrTitle"/>
-          </p:nvPr>
-        </p:nvSpPr>
-        <p:spPr>
-          <a:xfrm>
-            <a:off x="381000" y="2655022"/>
-            <a:ext cx="8610600" cy="923330"/>
-          </a:xfrm>
-        </p:spPr>
-        <p:txBody>
-          <a:bodyPr>
-            <a:normAutofit/>
-          </a:bodyPr>
-          <a:lstStyle/>
-          <a:p>
-            <a:pPr algn="ctr"/>
-            <a:r>
-              <a:rPr lang="ja-JP" altLang="en-US" dirty="0"/>
-              <a:t>テストエースレボート</a:t>
-            </a:r>
-            <a:endParaRPr kumimoji="1" lang="ja-JP" altLang="en-US" dirty="0"/>
-          </a:p>
-        </p:txBody>
-      </p:sp>
-      <p:sp>
-        <p:nvSpPr>
-          <p:cNvPr id="3" name="TextBox 2"/>
-          <p:cNvSpPr txBox="1"/>
-          <p:nvPr/>
-        </p:nvSpPr>
-        <p:spPr>
-          <a:xfrm>
-            <a:off x="533400" y="3686175"/>
-            <a:ext cx="8001000" cy="1200329"/>
-          </a:xfrm>
-          <a:prstGeom prst="rect">
-            <a:avLst/>
-          </a:prstGeom>
-          <a:noFill/>
-        </p:spPr>
-        <p:txBody>
-          <a:bodyPr wrap="square" rtlCol="0">
-            <a:spAutoFit/>
-          </a:bodyPr>
-          <a:lstStyle/>
-          <a:p>
-            <a:r>
-              <a:rPr kumimoji="1" lang="en-US" altLang="ja-JP" dirty="0"/>
-              <a:t>Implementer: </a:t>
-            </a:r>
-            <a:r>
-              <a:rPr kumimoji="1" lang="ja-JP" altLang="en-US" dirty="0"/>
-              <a:t>Ｈ</a:t>
-            </a:r>
-            <a:r>
-              <a:rPr kumimoji="1" lang="en-US" altLang="ja-JP" dirty="0" err="1"/>
-              <a:t>uynh</a:t>
-            </a:r>
-            <a:r>
-              <a:rPr kumimoji="1" lang="ja-JP" altLang="en-US" dirty="0"/>
-              <a:t> </a:t>
-            </a:r>
-            <a:r>
-              <a:rPr kumimoji="1" lang="en-US" altLang="ja-JP" dirty="0"/>
-              <a:t>Van</a:t>
-            </a:r>
-            <a:r>
-              <a:rPr kumimoji="1" lang="ja-JP" altLang="en-US" dirty="0"/>
-              <a:t> </a:t>
-            </a:r>
-            <a:r>
-              <a:rPr kumimoji="1" lang="en-US" altLang="ja-JP" dirty="0"/>
-              <a:t>Thanh</a:t>
-            </a:r>
-          </a:p>
-          <a:p>
-            <a:r>
-              <a:rPr kumimoji="1" lang="en-US" altLang="ja-JP" dirty="0"/>
-              <a:t>From 2018-01-10 to 2018-01-31</a:t>
-            </a:r>
-          </a:p>
-          <a:p>
-            <a:r>
-              <a:rPr kumimoji="1" lang="en-US" altLang="ja-JP" dirty="0"/>
-              <a:t>Version: TESTACE_V7.2.71201</a:t>
-            </a:r>
-          </a:p>
-          <a:p>
-            <a:endParaRPr kumimoji="1" lang="en-US" altLang="ja-JP" dirty="0"/>
-          </a:p>
-        </p:txBody>
-      </p:sp>
-      <p:sp>
-        <p:nvSpPr>
           <p:cNvPr id="9" name="Date Placeholder 8">
             <a:extLst>
               <a:ext uri="{FF2B5EF4-FFF2-40B4-BE49-F238E27FC236}">
@@ -5703,7 +5616,7 @@
           <a:p>
             <a:fld id="{820E5CAF-9700-4324-ABA8-6BCAB979A929}" type="datetime1">
               <a:rPr lang="ja-JP" altLang="en-US" smtClean="0"/>
-              <a:t>2018/2/1</a:t>
+              <a:t>2018/2/2</a:t>
             </a:fld>
             <a:endParaRPr lang="en-US" dirty="0"/>
           </a:p>
@@ -5828,6 +5741,168 @@
           </a:extLst>
         </p:spPr>
       </p:pic>
+      <p:sp>
+        <p:nvSpPr>
+          <p:cNvPr id="8" name="Rectangle 7">
+            <a:extLst>
+              <a:ext uri="{FF2B5EF4-FFF2-40B4-BE49-F238E27FC236}">
+                <a16:creationId xmlns:a16="http://schemas.microsoft.com/office/drawing/2014/main" id="{2C67EC30-1244-4066-9F39-511AF723626F}"/>
+              </a:ext>
+            </a:extLst>
+          </p:cNvPr>
+          <p:cNvSpPr/>
+          <p:nvPr/>
+        </p:nvSpPr>
+        <p:spPr>
+          <a:xfrm>
+            <a:off x="2551062" y="2057400"/>
+            <a:ext cx="3801041" cy="923330"/>
+          </a:xfrm>
+          <a:prstGeom prst="rect">
+            <a:avLst/>
+          </a:prstGeom>
+          <a:noFill/>
+        </p:spPr>
+        <p:txBody>
+          <a:bodyPr wrap="none" lIns="91440" tIns="45720" rIns="91440" bIns="45720">
+            <a:spAutoFit/>
+          </a:bodyPr>
+          <a:lstStyle/>
+          <a:p>
+            <a:pPr algn="ctr"/>
+            <a:r>
+              <a:rPr lang="ja-JP" altLang="en-US" sz="5400" b="1" cap="none" spc="0" dirty="0">
+                <a:ln w="12700">
+                  <a:solidFill>
+                    <a:schemeClr val="tx2">
+                      <a:lumMod val="75000"/>
+                    </a:schemeClr>
+                  </a:solidFill>
+                  <a:prstDash val="solid"/>
+                </a:ln>
+                <a:pattFill prst="dkUpDiag">
+                  <a:fgClr>
+                    <a:schemeClr val="tx2"/>
+                  </a:fgClr>
+                  <a:bgClr>
+                    <a:schemeClr val="tx2">
+                      <a:lumMod val="20000"/>
+                      <a:lumOff val="80000"/>
+                    </a:schemeClr>
+                  </a:bgClr>
+                </a:pattFill>
+                <a:effectLst>
+                  <a:outerShdw dist="38100" dir="2640000" algn="bl" rotWithShape="0">
+                    <a:schemeClr val="tx2">
+                      <a:lumMod val="75000"/>
+                    </a:schemeClr>
+                  </a:outerShdw>
+                </a:effectLst>
+              </a:rPr>
+              <a:t>テストエース</a:t>
+            </a:r>
+            <a:endParaRPr lang="en-US" altLang="ja-JP" sz="5400" b="1" cap="none" spc="0" dirty="0">
+              <a:ln w="12700">
+                <a:solidFill>
+                  <a:schemeClr val="tx2">
+                    <a:lumMod val="75000"/>
+                  </a:schemeClr>
+                </a:solidFill>
+                <a:prstDash val="solid"/>
+              </a:ln>
+              <a:pattFill prst="dkUpDiag">
+                <a:fgClr>
+                  <a:schemeClr val="tx2"/>
+                </a:fgClr>
+                <a:bgClr>
+                  <a:schemeClr val="tx2">
+                    <a:lumMod val="20000"/>
+                    <a:lumOff val="80000"/>
+                  </a:schemeClr>
+                </a:bgClr>
+              </a:pattFill>
+              <a:effectLst>
+                <a:outerShdw dist="38100" dir="2640000" algn="bl" rotWithShape="0">
+                  <a:schemeClr val="tx2">
+                    <a:lumMod val="75000"/>
+                  </a:schemeClr>
+                </a:outerShdw>
+              </a:effectLst>
+            </a:endParaRPr>
+          </a:p>
+        </p:txBody>
+      </p:sp>
+      <p:sp>
+        <p:nvSpPr>
+          <p:cNvPr id="12" name="Rectangle 11">
+            <a:extLst>
+              <a:ext uri="{FF2B5EF4-FFF2-40B4-BE49-F238E27FC236}">
+                <a16:creationId xmlns:a16="http://schemas.microsoft.com/office/drawing/2014/main" id="{D3973251-C9E5-4D6F-AE48-29413471A55C}"/>
+              </a:ext>
+            </a:extLst>
+          </p:cNvPr>
+          <p:cNvSpPr/>
+          <p:nvPr/>
+        </p:nvSpPr>
+        <p:spPr>
+          <a:xfrm>
+            <a:off x="624784" y="3962400"/>
+            <a:ext cx="3804631" cy="1015663"/>
+          </a:xfrm>
+          <a:prstGeom prst="rect">
+            <a:avLst/>
+          </a:prstGeom>
+          <a:noFill/>
+        </p:spPr>
+        <p:txBody>
+          <a:bodyPr wrap="none" lIns="91440" tIns="45720" rIns="91440" bIns="45720">
+            <a:spAutoFit/>
+          </a:bodyPr>
+          <a:lstStyle/>
+          <a:p>
+            <a:r>
+              <a:rPr kumimoji="1" lang="en-US" altLang="ja-JP" sz="2000" dirty="0"/>
+              <a:t>Implementer: </a:t>
+            </a:r>
+            <a:r>
+              <a:rPr kumimoji="1" lang="ja-JP" altLang="en-US" sz="2000" dirty="0"/>
+              <a:t>Ｈ</a:t>
+            </a:r>
+            <a:r>
+              <a:rPr kumimoji="1" lang="en-US" altLang="ja-JP" sz="2000" dirty="0" err="1"/>
+              <a:t>uynh</a:t>
+            </a:r>
+            <a:r>
+              <a:rPr kumimoji="1" lang="ja-JP" altLang="en-US" sz="2000" dirty="0"/>
+              <a:t> </a:t>
+            </a:r>
+            <a:r>
+              <a:rPr kumimoji="1" lang="en-US" altLang="ja-JP" sz="2000" dirty="0"/>
+              <a:t>Van</a:t>
+            </a:r>
+            <a:r>
+              <a:rPr kumimoji="1" lang="ja-JP" altLang="en-US" sz="2000" dirty="0"/>
+              <a:t> </a:t>
+            </a:r>
+            <a:r>
+              <a:rPr kumimoji="1" lang="en-US" altLang="ja-JP" sz="2000" dirty="0"/>
+              <a:t>Thanh</a:t>
+            </a:r>
+          </a:p>
+          <a:p>
+            <a:r>
+              <a:rPr kumimoji="1" lang="en-US" altLang="ja-JP" sz="2000" dirty="0"/>
+              <a:t>From 2018/01/10 to 2018/02/02</a:t>
+            </a:r>
+          </a:p>
+          <a:p>
+            <a:r>
+              <a:rPr kumimoji="1" lang="en-US" altLang="ja-JP" sz="2000" dirty="0"/>
+              <a:t>Version: TESTACE_V7.2.71201</a:t>
+            </a:r>
+          </a:p>
+        </p:txBody>
+      </p:sp>
     </p:spTree>
     <p:extLst>
       <p:ext uri="{BB962C8B-B14F-4D97-AF65-F5344CB8AC3E}">
@@ -5905,7 +5980,7 @@
           <a:p>
             <a:fld id="{E4665D9F-7D4F-458C-B5F1-5DC5680E5F2F}" type="datetime1">
               <a:rPr lang="ja-JP" altLang="en-US" smtClean="0"/>
-              <a:t>2018/2/1</a:t>
+              <a:t>2018/2/2</a:t>
             </a:fld>
             <a:endParaRPr lang="en-US" dirty="0"/>
           </a:p>
@@ -6193,13 +6268,6 @@
             <a:endParaRPr lang="en-US" altLang="ja-JP" sz="1600" dirty="0"/>
           </a:p>
           <a:p>
-            <a:pPr marL="800100" lvl="1" indent="-342900"/>
-            <a:r>
-              <a:rPr lang="en-US" altLang="ja-JP" sz="1600" dirty="0"/>
-              <a:t>Output data to file (CSV, EXCEL).</a:t>
-            </a:r>
-          </a:p>
-          <a:p>
             <a:pPr marL="342900" indent="-342900">
               <a:buFont typeface="+mj-lt"/>
               <a:buAutoNum type="arabicPeriod"/>
@@ -6211,13 +6279,6 @@
             <a:r>
               <a:rPr lang="en-US" altLang="ja-JP" sz="1600" dirty="0"/>
               <a:t>DB</a:t>
-            </a:r>
-          </a:p>
-          <a:p>
-            <a:pPr marL="800100" lvl="1" indent="-342900"/>
-            <a:r>
-              <a:rPr lang="en-US" altLang="ja-JP" sz="1600" dirty="0"/>
-              <a:t>Output data to database.</a:t>
             </a:r>
           </a:p>
         </p:txBody>
@@ -6329,7 +6390,7 @@
           <a:p>
             <a:fld id="{AD0846E8-9769-4958-AFDC-4BD304FB326F}" type="datetime1">
               <a:rPr lang="ja-JP" altLang="en-US" smtClean="0"/>
-              <a:t>2018/2/1</a:t>
+              <a:t>2018/2/2</a:t>
             </a:fld>
             <a:endParaRPr lang="en-US" dirty="0"/>
           </a:p>
@@ -7198,7 +7259,7 @@
           <a:p>
             <a:fld id="{2417D425-4C6F-4B21-B8DA-8ADBF49CE01E}" type="datetime1">
               <a:rPr lang="ja-JP" altLang="en-US" smtClean="0"/>
-              <a:t>2018/2/1</a:t>
+              <a:t>2018/2/2</a:t>
             </a:fld>
             <a:endParaRPr lang="en-US" dirty="0"/>
           </a:p>
@@ -7957,7 +8018,7 @@
           <a:p>
             <a:fld id="{7F5E6E14-2111-47F2-A6D9-20EBD2E2903B}" type="datetime1">
               <a:rPr lang="ja-JP" altLang="en-US" smtClean="0"/>
-              <a:t>2018/2/1</a:t>
+              <a:t>2018/2/2</a:t>
             </a:fld>
             <a:endParaRPr lang="en-US" dirty="0"/>
           </a:p>
@@ -8685,7 +8746,7 @@
           <a:p>
             <a:fld id="{293BE0DD-717D-44C8-83A2-EFAD6E6BC6FE}" type="datetime1">
               <a:rPr lang="ja-JP" altLang="en-US" smtClean="0"/>
-              <a:t>2018/2/1</a:t>
+              <a:t>2018/2/2</a:t>
             </a:fld>
             <a:endParaRPr lang="en-US" dirty="0"/>
           </a:p>
@@ -9415,7 +9476,7 @@
           <a:p>
             <a:fld id="{5332388E-8CBF-4657-9F6B-257C9138C327}" type="datetime1">
               <a:rPr lang="ja-JP" altLang="en-US" smtClean="0"/>
-              <a:t>2018/2/1</a:t>
+              <a:t>2018/2/2</a:t>
             </a:fld>
             <a:endParaRPr lang="en-US" dirty="0"/>
           </a:p>
@@ -10147,7 +10208,7 @@
           <a:p>
             <a:fld id="{C301CF65-D804-4276-BB50-B751EBAA5A50}" type="datetime1">
               <a:rPr lang="ja-JP" altLang="en-US" smtClean="0"/>
-              <a:t>2018/2/1</a:t>
+              <a:t>2018/2/2</a:t>
             </a:fld>
             <a:endParaRPr lang="en-US" dirty="0"/>
           </a:p>
@@ -10871,7 +10932,7 @@
           <a:p>
             <a:fld id="{344A3E31-0453-4814-A14C-981036D14FB8}" type="datetime1">
               <a:rPr lang="ja-JP" altLang="en-US" smtClean="0"/>
-              <a:t>2018/2/1</a:t>
+              <a:t>2018/2/2</a:t>
             </a:fld>
             <a:endParaRPr lang="en-US" dirty="0"/>
           </a:p>
@@ -11363,7 +11424,7 @@
           <a:p>
             <a:fld id="{2DBCA89C-BD7C-452A-B795-EE0078030A13}" type="datetime1">
               <a:rPr lang="ja-JP" altLang="en-US" smtClean="0"/>
-              <a:t>2018/2/1</a:t>
+              <a:t>2018/2/2</a:t>
             </a:fld>
             <a:endParaRPr lang="en-US" dirty="0"/>
           </a:p>
@@ -12046,7 +12107,7 @@
           <a:p>
             <a:fld id="{B98484D1-8980-4390-8539-4C866654093B}" type="datetime1">
               <a:rPr lang="ja-JP" altLang="en-US" smtClean="0"/>
-              <a:t>2018/2/1</a:t>
+              <a:t>2018/2/2</a:t>
             </a:fld>
             <a:endParaRPr lang="en-US" dirty="0"/>
           </a:p>
@@ -12879,7 +12940,7 @@
           <a:p>
             <a:fld id="{0E369EED-63CD-4F8A-86CB-11AD3891A3EC}" type="datetime1">
               <a:rPr lang="ja-JP" altLang="en-US" smtClean="0"/>
-              <a:t>2018/2/1</a:t>
+              <a:t>2018/2/2</a:t>
             </a:fld>
             <a:endParaRPr lang="en-US" dirty="0"/>
           </a:p>
@@ -13081,7 +13142,7 @@
           <a:p>
             <a:fld id="{EAE5AE56-3E97-49AB-9E09-F7A31BC5B444}" type="datetime1">
               <a:rPr lang="ja-JP" altLang="en-US" smtClean="0"/>
-              <a:t>2018/2/1</a:t>
+              <a:t>2018/2/2</a:t>
             </a:fld>
             <a:endParaRPr lang="en-US" dirty="0"/>
           </a:p>
@@ -13677,7 +13738,7 @@
           <a:p>
             <a:fld id="{528AC030-58E7-4099-945A-ACC7E79E50B6}" type="datetime1">
               <a:rPr lang="ja-JP" altLang="en-US" smtClean="0"/>
-              <a:t>2018/2/1</a:t>
+              <a:t>2018/2/2</a:t>
             </a:fld>
             <a:endParaRPr lang="en-US" dirty="0"/>
           </a:p>
@@ -14418,7 +14479,7 @@
           <a:p>
             <a:fld id="{A7A0A951-0E64-41A7-AF81-9462FE1B116A}" type="datetime1">
               <a:rPr lang="ja-JP" altLang="en-US" smtClean="0"/>
-              <a:t>2018/2/1</a:t>
+              <a:t>2018/2/2</a:t>
             </a:fld>
             <a:endParaRPr lang="en-US" dirty="0"/>
           </a:p>
@@ -15156,7 +15217,7 @@
           <a:p>
             <a:fld id="{BE7EE9EE-7C42-4B24-90A5-BB97D01D8E9C}" type="datetime1">
               <a:rPr lang="ja-JP" altLang="en-US" smtClean="0"/>
-              <a:t>2018/2/1</a:t>
+              <a:t>2018/2/2</a:t>
             </a:fld>
             <a:endParaRPr lang="en-US" dirty="0"/>
           </a:p>
@@ -15890,7 +15951,7 @@
           <a:p>
             <a:fld id="{7309F4E7-1F1B-48E4-92D9-42D5BA0CFAB9}" type="datetime1">
               <a:rPr lang="ja-JP" altLang="en-US" smtClean="0"/>
-              <a:t>2018/2/1</a:t>
+              <a:t>2018/2/2</a:t>
             </a:fld>
             <a:endParaRPr lang="en-US" dirty="0"/>
           </a:p>
@@ -16434,7 +16495,7 @@
           <a:p>
             <a:fld id="{AFD8C9F0-02EB-4A41-A3D8-A4B8388840CD}" type="datetime1">
               <a:rPr lang="ja-JP" altLang="en-US" smtClean="0"/>
-              <a:t>2018/2/1</a:t>
+              <a:t>2018/2/2</a:t>
             </a:fld>
             <a:endParaRPr lang="en-US" dirty="0"/>
           </a:p>
@@ -16677,7 +16738,7 @@
           <a:p>
             <a:fld id="{524577B3-0F1C-4C3B-9D04-B00D368EC7EC}" type="datetime1">
               <a:rPr lang="ja-JP" altLang="en-US" smtClean="0"/>
-              <a:t>2018/2/1</a:t>
+              <a:t>2018/2/2</a:t>
             </a:fld>
             <a:endParaRPr lang="en-US" dirty="0"/>
           </a:p>
@@ -17315,7 +17376,7 @@
           <a:p>
             <a:fld id="{817353EC-44E0-4AB2-A0C5-7D27BB99E342}" type="datetime1">
               <a:rPr lang="ja-JP" altLang="en-US" smtClean="0"/>
-              <a:t>2018/2/1</a:t>
+              <a:t>2018/2/2</a:t>
             </a:fld>
             <a:endParaRPr lang="en-US" dirty="0"/>
           </a:p>
@@ -17987,7 +18048,7 @@
           <a:p>
             <a:fld id="{AFD8C9F0-02EB-4A41-A3D8-A4B8388840CD}" type="datetime1">
               <a:rPr lang="ja-JP" altLang="en-US" smtClean="0"/>
-              <a:t>2018/2/1</a:t>
+              <a:t>2018/2/2</a:t>
             </a:fld>
             <a:endParaRPr lang="en-US" dirty="0"/>
           </a:p>
@@ -18264,7 +18325,7 @@
           <a:p>
             <a:fld id="{AFD8C9F0-02EB-4A41-A3D8-A4B8388840CD}" type="datetime1">
               <a:rPr lang="ja-JP" altLang="en-US" smtClean="0"/>
-              <a:t>2018/2/1</a:t>
+              <a:t>2018/2/2</a:t>
             </a:fld>
             <a:endParaRPr lang="en-US" dirty="0"/>
           </a:p>
@@ -18495,7 +18556,7 @@
           <a:p>
             <a:fld id="{5F67EFE7-0A59-4FFF-8DB3-61B71EA58975}" type="datetime1">
               <a:rPr lang="ja-JP" altLang="en-US" smtClean="0"/>
-              <a:t>2018/2/1</a:t>
+              <a:t>2018/2/2</a:t>
             </a:fld>
             <a:endParaRPr lang="en-US" dirty="0"/>
           </a:p>
@@ -24908,7 +24969,7 @@
           <a:p>
             <a:fld id="{AFD8C9F0-02EB-4A41-A3D8-A4B8388840CD}" type="datetime1">
               <a:rPr lang="ja-JP" altLang="en-US" smtClean="0"/>
-              <a:t>2018/2/1</a:t>
+              <a:t>2018/2/2</a:t>
             </a:fld>
             <a:endParaRPr lang="en-US" dirty="0"/>
           </a:p>
@@ -25596,6 +25657,66 @@
           </a:p>
         </p:txBody>
       </p:sp>
+      <p:pic>
+        <p:nvPicPr>
+          <p:cNvPr id="24" name="Picture 3">
+            <a:extLst>
+              <a:ext uri="{FF2B5EF4-FFF2-40B4-BE49-F238E27FC236}">
+                <a16:creationId xmlns:a16="http://schemas.microsoft.com/office/drawing/2014/main" id="{5032D17D-5EFF-40FC-821C-53465B1E988C}"/>
+              </a:ext>
+            </a:extLst>
+          </p:cNvPr>
+          <p:cNvPicPr>
+            <a:picLocks noChangeAspect="1" noChangeArrowheads="1"/>
+          </p:cNvPicPr>
+          <p:nvPr/>
+        </p:nvPicPr>
+        <p:blipFill>
+          <a:blip r:embed="rId7">
+            <a:extLst>
+              <a:ext uri="{28A0092B-C50C-407E-A947-70E740481C1C}">
+                <a14:useLocalDpi xmlns:a14="http://schemas.microsoft.com/office/drawing/2010/main" val="0"/>
+              </a:ext>
+            </a:extLst>
+          </a:blip>
+          <a:srcRect/>
+          <a:stretch>
+            <a:fillRect/>
+          </a:stretch>
+        </p:blipFill>
+        <p:spPr bwMode="auto">
+          <a:xfrm>
+            <a:off x="7939085" y="-1"/>
+            <a:ext cx="1204915" cy="381001"/>
+          </a:xfrm>
+          <a:prstGeom prst="rect">
+            <a:avLst/>
+          </a:prstGeom>
+          <a:noFill/>
+          <a:ln>
+            <a:noFill/>
+          </a:ln>
+          <a:extLst>
+            <a:ext uri="{909E8E84-426E-40DD-AFC4-6F175D3DCCD1}">
+              <a14:hiddenFill xmlns:a14="http://schemas.microsoft.com/office/drawing/2010/main">
+                <a:solidFill>
+                  <a:schemeClr val="accent1"/>
+                </a:solidFill>
+              </a14:hiddenFill>
+            </a:ext>
+            <a:ext uri="{91240B29-F687-4F45-9708-019B960494DF}">
+              <a14:hiddenLine xmlns:a14="http://schemas.microsoft.com/office/drawing/2010/main" w="9525">
+                <a:solidFill>
+                  <a:schemeClr val="tx1"/>
+                </a:solidFill>
+                <a:miter lim="800000"/>
+                <a:headEnd/>
+                <a:tailEnd/>
+              </a14:hiddenLine>
+            </a:ext>
+          </a:extLst>
+        </p:spPr>
+      </p:pic>
     </p:spTree>
     <p:extLst>
       <p:ext uri="{BB962C8B-B14F-4D97-AF65-F5344CB8AC3E}">
@@ -25661,31 +25782,6 @@
       </p:sp>
       <p:sp>
         <p:nvSpPr>
-          <p:cNvPr id="3" name="Content Placeholder 2">
-            <a:extLst>
-              <a:ext uri="{FF2B5EF4-FFF2-40B4-BE49-F238E27FC236}">
-                <a16:creationId xmlns:a16="http://schemas.microsoft.com/office/drawing/2014/main" id="{BAF9A860-D94F-4E8E-846B-DCD248F92034}"/>
-              </a:ext>
-            </a:extLst>
-          </p:cNvPr>
-          <p:cNvSpPr>
-            <a:spLocks noGrp="1"/>
-          </p:cNvSpPr>
-          <p:nvPr>
-            <p:ph idx="1"/>
-          </p:nvPr>
-        </p:nvSpPr>
-        <p:spPr/>
-        <p:txBody>
-          <a:bodyPr/>
-          <a:lstStyle/>
-          <a:p>
-            <a:endParaRPr kumimoji="1" lang="ja-JP" altLang="en-US" dirty="0"/>
-          </a:p>
-        </p:txBody>
-      </p:sp>
-      <p:sp>
-        <p:nvSpPr>
           <p:cNvPr id="4" name="Date Placeholder 3">
             <a:extLst>
               <a:ext uri="{FF2B5EF4-FFF2-40B4-BE49-F238E27FC236}">
@@ -25707,7 +25803,7 @@
           <a:p>
             <a:fld id="{AFD8C9F0-02EB-4A41-A3D8-A4B8388840CD}" type="datetime1">
               <a:rPr lang="ja-JP" altLang="en-US" smtClean="0"/>
-              <a:t>2018/2/1</a:t>
+              <a:t>2018/2/2</a:t>
             </a:fld>
             <a:endParaRPr lang="en-US" dirty="0"/>
           </a:p>
@@ -25772,6 +25868,433 @@
           </a:p>
         </p:txBody>
       </p:sp>
+      <p:sp>
+        <p:nvSpPr>
+          <p:cNvPr id="7" name="Content Placeholder 2">
+            <a:extLst>
+              <a:ext uri="{FF2B5EF4-FFF2-40B4-BE49-F238E27FC236}">
+                <a16:creationId xmlns:a16="http://schemas.microsoft.com/office/drawing/2014/main" id="{3AA7CA8C-FBBE-4B40-911C-95FF59C068B4}"/>
+              </a:ext>
+            </a:extLst>
+          </p:cNvPr>
+          <p:cNvSpPr txBox="1">
+            <a:spLocks/>
+          </p:cNvSpPr>
+          <p:nvPr/>
+        </p:nvSpPr>
+        <p:spPr>
+          <a:xfrm>
+            <a:off x="457200" y="1828800"/>
+            <a:ext cx="7824788" cy="1600200"/>
+          </a:xfrm>
+          <a:prstGeom prst="rect">
+            <a:avLst/>
+          </a:prstGeom>
+        </p:spPr>
+        <p:txBody>
+          <a:bodyPr vert="horz" lIns="91440" tIns="45720" rIns="91440" bIns="45720" rtlCol="0">
+            <a:noAutofit/>
+          </a:bodyPr>
+          <a:lstStyle>
+            <a:lvl1pPr marL="182880" indent="-182880" algn="l" defTabSz="914400" rtl="0" eaLnBrk="1" latinLnBrk="0" hangingPunct="1">
+              <a:spcBef>
+                <a:spcPct val="20000"/>
+              </a:spcBef>
+              <a:buClr>
+                <a:schemeClr val="accent1"/>
+              </a:buClr>
+              <a:buSzPct val="85000"/>
+              <a:buFont typeface="Arial" pitchFamily="34" charset="0"/>
+              <a:buChar char="•"/>
+              <a:defRPr kumimoji="1" sz="2400" kern="1200">
+                <a:solidFill>
+                  <a:schemeClr val="tx1"/>
+                </a:solidFill>
+                <a:latin typeface="+mn-lt"/>
+                <a:ea typeface="+mn-ea"/>
+                <a:cs typeface="+mn-cs"/>
+              </a:defRPr>
+            </a:lvl1pPr>
+            <a:lvl2pPr marL="457200" indent="-182880" algn="l" defTabSz="914400" rtl="0" eaLnBrk="1" latinLnBrk="0" hangingPunct="1">
+              <a:spcBef>
+                <a:spcPct val="20000"/>
+              </a:spcBef>
+              <a:buClr>
+                <a:schemeClr val="accent1"/>
+              </a:buClr>
+              <a:buSzPct val="85000"/>
+              <a:buFont typeface="Arial" pitchFamily="34" charset="0"/>
+              <a:buChar char="•"/>
+              <a:defRPr kumimoji="1" sz="2000" kern="1200">
+                <a:solidFill>
+                  <a:schemeClr val="tx1"/>
+                </a:solidFill>
+                <a:latin typeface="+mn-lt"/>
+                <a:ea typeface="+mn-ea"/>
+                <a:cs typeface="+mn-cs"/>
+              </a:defRPr>
+            </a:lvl2pPr>
+            <a:lvl3pPr marL="731520" indent="-182880" algn="l" defTabSz="914400" rtl="0" eaLnBrk="1" latinLnBrk="0" hangingPunct="1">
+              <a:spcBef>
+                <a:spcPct val="20000"/>
+              </a:spcBef>
+              <a:buClr>
+                <a:schemeClr val="accent1"/>
+              </a:buClr>
+              <a:buSzPct val="90000"/>
+              <a:buFont typeface="Arial" pitchFamily="34" charset="0"/>
+              <a:buChar char="•"/>
+              <a:defRPr kumimoji="1" sz="1800" kern="1200">
+                <a:solidFill>
+                  <a:schemeClr val="tx1"/>
+                </a:solidFill>
+                <a:latin typeface="+mn-lt"/>
+                <a:ea typeface="+mn-ea"/>
+                <a:cs typeface="+mn-cs"/>
+              </a:defRPr>
+            </a:lvl3pPr>
+            <a:lvl4pPr marL="1005840" indent="-182880" algn="l" defTabSz="914400" rtl="0" eaLnBrk="1" latinLnBrk="0" hangingPunct="1">
+              <a:spcBef>
+                <a:spcPct val="20000"/>
+              </a:spcBef>
+              <a:buClr>
+                <a:schemeClr val="accent1"/>
+              </a:buClr>
+              <a:buFont typeface="Arial" pitchFamily="34" charset="0"/>
+              <a:buChar char="•"/>
+              <a:defRPr kumimoji="1" sz="1600" kern="1200">
+                <a:solidFill>
+                  <a:schemeClr val="tx1"/>
+                </a:solidFill>
+                <a:latin typeface="+mn-lt"/>
+                <a:ea typeface="+mn-ea"/>
+                <a:cs typeface="+mn-cs"/>
+              </a:defRPr>
+            </a:lvl4pPr>
+            <a:lvl5pPr marL="1188720" indent="-137160" algn="l" defTabSz="914400" rtl="0" eaLnBrk="1" latinLnBrk="0" hangingPunct="1">
+              <a:spcBef>
+                <a:spcPct val="20000"/>
+              </a:spcBef>
+              <a:buClr>
+                <a:schemeClr val="accent1"/>
+              </a:buClr>
+              <a:buSzPct val="100000"/>
+              <a:buFont typeface="Arial" pitchFamily="34" charset="0"/>
+              <a:buChar char="•"/>
+              <a:defRPr kumimoji="1" sz="1400" kern="1200" baseline="0">
+                <a:solidFill>
+                  <a:schemeClr val="tx1"/>
+                </a:solidFill>
+                <a:latin typeface="+mn-lt"/>
+                <a:ea typeface="+mn-ea"/>
+                <a:cs typeface="+mn-cs"/>
+              </a:defRPr>
+            </a:lvl5pPr>
+            <a:lvl6pPr marL="1371600" indent="-182880" algn="l" defTabSz="914400" rtl="0" eaLnBrk="1" latinLnBrk="0" hangingPunct="1">
+              <a:spcBef>
+                <a:spcPct val="20000"/>
+              </a:spcBef>
+              <a:buClr>
+                <a:schemeClr val="accent1"/>
+              </a:buClr>
+              <a:buFont typeface="Arial" pitchFamily="34" charset="0"/>
+              <a:buChar char="•"/>
+              <a:defRPr kumimoji="1" sz="1300" kern="1200">
+                <a:solidFill>
+                  <a:schemeClr val="tx1"/>
+                </a:solidFill>
+                <a:latin typeface="+mn-lt"/>
+                <a:ea typeface="+mn-ea"/>
+                <a:cs typeface="+mn-cs"/>
+              </a:defRPr>
+            </a:lvl6pPr>
+            <a:lvl7pPr marL="1554480" indent="-182880" algn="l" defTabSz="914400" rtl="0" eaLnBrk="1" latinLnBrk="0" hangingPunct="1">
+              <a:spcBef>
+                <a:spcPct val="20000"/>
+              </a:spcBef>
+              <a:buClr>
+                <a:schemeClr val="accent1"/>
+              </a:buClr>
+              <a:buFont typeface="Arial" pitchFamily="34" charset="0"/>
+              <a:buChar char="•"/>
+              <a:defRPr kumimoji="1" sz="1300" kern="1200">
+                <a:solidFill>
+                  <a:schemeClr val="tx1"/>
+                </a:solidFill>
+                <a:latin typeface="+mn-lt"/>
+                <a:ea typeface="+mn-ea"/>
+                <a:cs typeface="+mn-cs"/>
+              </a:defRPr>
+            </a:lvl7pPr>
+            <a:lvl8pPr marL="1737360" indent="-182880" algn="l" defTabSz="914400" rtl="0" eaLnBrk="1" latinLnBrk="0" hangingPunct="1">
+              <a:spcBef>
+                <a:spcPct val="20000"/>
+              </a:spcBef>
+              <a:buClr>
+                <a:schemeClr val="accent1"/>
+              </a:buClr>
+              <a:buFont typeface="Arial" pitchFamily="34" charset="0"/>
+              <a:buChar char="•"/>
+              <a:defRPr kumimoji="1" sz="1300" kern="1200">
+                <a:solidFill>
+                  <a:schemeClr val="tx1"/>
+                </a:solidFill>
+                <a:latin typeface="+mn-lt"/>
+                <a:ea typeface="+mn-ea"/>
+                <a:cs typeface="+mn-cs"/>
+              </a:defRPr>
+            </a:lvl8pPr>
+            <a:lvl9pPr marL="1920240" indent="-182880" algn="l" defTabSz="914400" rtl="0" eaLnBrk="1" latinLnBrk="0" hangingPunct="1">
+              <a:spcBef>
+                <a:spcPct val="20000"/>
+              </a:spcBef>
+              <a:buClr>
+                <a:schemeClr val="accent1"/>
+              </a:buClr>
+              <a:buFont typeface="Arial" pitchFamily="34" charset="0"/>
+              <a:buChar char="•"/>
+              <a:defRPr kumimoji="1" sz="1300" kern="1200">
+                <a:solidFill>
+                  <a:schemeClr val="tx1"/>
+                </a:solidFill>
+                <a:latin typeface="+mn-lt"/>
+                <a:ea typeface="+mn-ea"/>
+                <a:cs typeface="+mn-cs"/>
+              </a:defRPr>
+            </a:lvl9pPr>
+          </a:lstStyle>
+          <a:p>
+            <a:r>
+              <a:rPr lang="en-US" altLang="ja-JP" sz="1600" dirty="0">
+                <a:latin typeface="Segoe UI" panose="020B0502040204020203" pitchFamily="34" charset="0"/>
+                <a:cs typeface="Segoe UI" panose="020B0502040204020203" pitchFamily="34" charset="0"/>
+              </a:rPr>
+              <a:t>Thanks to </a:t>
+            </a:r>
+            <a:r>
+              <a:rPr lang="en-US" altLang="ja-JP" sz="1600" b="1" dirty="0">
+                <a:latin typeface="Segoe UI" panose="020B0502040204020203" pitchFamily="34" charset="0"/>
+                <a:cs typeface="Segoe UI" panose="020B0502040204020203" pitchFamily="34" charset="0"/>
+              </a:rPr>
+              <a:t>Mr.</a:t>
+            </a:r>
+            <a:r>
+              <a:rPr lang="en-US" altLang="ja-JP" sz="1600" dirty="0">
+                <a:latin typeface="Segoe UI" panose="020B0502040204020203" pitchFamily="34" charset="0"/>
+                <a:cs typeface="Segoe UI" panose="020B0502040204020203" pitchFamily="34" charset="0"/>
+              </a:rPr>
+              <a:t> </a:t>
+            </a:r>
+            <a:r>
+              <a:rPr lang="en-US" altLang="ja-JP" sz="1600" b="1" dirty="0">
+                <a:latin typeface="Segoe UI" panose="020B0502040204020203" pitchFamily="34" charset="0"/>
+                <a:cs typeface="Segoe UI" panose="020B0502040204020203" pitchFamily="34" charset="0"/>
+              </a:rPr>
+              <a:t>Koga Satoru, Ms.</a:t>
+            </a:r>
+            <a:r>
+              <a:rPr lang="en-US" altLang="ja-JP" sz="1600" dirty="0">
+                <a:latin typeface="Segoe UI" panose="020B0502040204020203" pitchFamily="34" charset="0"/>
+                <a:cs typeface="Segoe UI" panose="020B0502040204020203" pitchFamily="34" charset="0"/>
+              </a:rPr>
+              <a:t> </a:t>
+            </a:r>
+            <a:r>
+              <a:rPr lang="en-US" altLang="ja-JP" sz="1600" b="1" dirty="0">
+                <a:latin typeface="Segoe UI" panose="020B0502040204020203" pitchFamily="34" charset="0"/>
+                <a:cs typeface="Segoe UI" panose="020B0502040204020203" pitchFamily="34" charset="0"/>
+              </a:rPr>
+              <a:t>Ngoc Thuy and Mr. </a:t>
+            </a:r>
+            <a:r>
+              <a:rPr lang="en-US" altLang="ja-JP" sz="1600" b="1" dirty="0" err="1">
+                <a:latin typeface="Segoe UI" panose="020B0502040204020203" pitchFamily="34" charset="0"/>
+                <a:cs typeface="Segoe UI" panose="020B0502040204020203" pitchFamily="34" charset="0"/>
+              </a:rPr>
+              <a:t>Khang</a:t>
+            </a:r>
+            <a:r>
+              <a:rPr lang="en-US" altLang="ja-JP" sz="1600" dirty="0">
+                <a:latin typeface="Segoe UI" panose="020B0502040204020203" pitchFamily="34" charset="0"/>
+                <a:cs typeface="Segoe UI" panose="020B0502040204020203" pitchFamily="34" charset="0"/>
+              </a:rPr>
+              <a:t> have supported QA to understand and study </a:t>
+            </a:r>
+            <a:r>
+              <a:rPr lang="ja-JP" altLang="en-US" sz="1600" dirty="0"/>
+              <a:t>テストエース</a:t>
+            </a:r>
+            <a:r>
+              <a:rPr lang="en-US" altLang="ja-JP" sz="1600" dirty="0">
+                <a:latin typeface="Segoe UI" panose="020B0502040204020203" pitchFamily="34" charset="0"/>
+                <a:cs typeface="Segoe UI" panose="020B0502040204020203" pitchFamily="34" charset="0"/>
+              </a:rPr>
+              <a:t>.</a:t>
+            </a:r>
+          </a:p>
+          <a:p>
+            <a:r>
+              <a:rPr lang="en-US" altLang="ja-JP" sz="1600" dirty="0">
+                <a:latin typeface="Segoe UI" panose="020B0502040204020203" pitchFamily="34" charset="0"/>
+                <a:cs typeface="Segoe UI" panose="020B0502040204020203" pitchFamily="34" charset="0"/>
+              </a:rPr>
+              <a:t>Thanks to </a:t>
+            </a:r>
+            <a:r>
+              <a:rPr lang="ja-JP" altLang="en-US" sz="1600" b="1" dirty="0">
+                <a:latin typeface="Segoe UI" panose="020B0502040204020203" pitchFamily="34" charset="0"/>
+                <a:cs typeface="Segoe UI" panose="020B0502040204020203" pitchFamily="34" charset="0"/>
+              </a:rPr>
+              <a:t>Ｍｒ．Ｄｕｃ</a:t>
+            </a:r>
+            <a:r>
+              <a:rPr lang="en-US" altLang="ja-JP" sz="1600" dirty="0">
+                <a:latin typeface="Segoe UI" panose="020B0502040204020203" pitchFamily="34" charset="0"/>
+                <a:cs typeface="Segoe UI" panose="020B0502040204020203" pitchFamily="34" charset="0"/>
+              </a:rPr>
+              <a:t> have supported for meeting daily and contact to </a:t>
+            </a:r>
+            <a:r>
+              <a:rPr lang="en-US" altLang="ja-JP" sz="1600" dirty="0" err="1">
+                <a:latin typeface="Segoe UI" panose="020B0502040204020203" pitchFamily="34" charset="0"/>
+                <a:cs typeface="Segoe UI" panose="020B0502040204020203" pitchFamily="34" charset="0"/>
+              </a:rPr>
+              <a:t>Janpan</a:t>
+            </a:r>
+            <a:r>
+              <a:rPr lang="en-US" altLang="ja-JP" sz="1600" dirty="0">
+                <a:latin typeface="Segoe UI" panose="020B0502040204020203" pitchFamily="34" charset="0"/>
+                <a:cs typeface="Segoe UI" panose="020B0502040204020203" pitchFamily="34" charset="0"/>
+              </a:rPr>
+              <a:t>.</a:t>
+            </a:r>
+            <a:endParaRPr lang="ja-JP" altLang="en-US" sz="1600" dirty="0">
+              <a:latin typeface="Segoe UI" panose="020B0502040204020203" pitchFamily="34" charset="0"/>
+              <a:cs typeface="Segoe UI" panose="020B0502040204020203" pitchFamily="34" charset="0"/>
+            </a:endParaRPr>
+          </a:p>
+        </p:txBody>
+      </p:sp>
+      <p:pic>
+        <p:nvPicPr>
+          <p:cNvPr id="8" name="Picture 3">
+            <a:extLst>
+              <a:ext uri="{FF2B5EF4-FFF2-40B4-BE49-F238E27FC236}">
+                <a16:creationId xmlns:a16="http://schemas.microsoft.com/office/drawing/2014/main" id="{7221E9DD-8E56-4F1F-98E9-1F0BB401CB7E}"/>
+              </a:ext>
+            </a:extLst>
+          </p:cNvPr>
+          <p:cNvPicPr>
+            <a:picLocks noChangeAspect="1" noChangeArrowheads="1"/>
+          </p:cNvPicPr>
+          <p:nvPr/>
+        </p:nvPicPr>
+        <p:blipFill>
+          <a:blip r:embed="rId2">
+            <a:extLst>
+              <a:ext uri="{28A0092B-C50C-407E-A947-70E740481C1C}">
+                <a14:useLocalDpi xmlns:a14="http://schemas.microsoft.com/office/drawing/2010/main" val="0"/>
+              </a:ext>
+            </a:extLst>
+          </a:blip>
+          <a:srcRect/>
+          <a:stretch>
+            <a:fillRect/>
+          </a:stretch>
+        </p:blipFill>
+        <p:spPr bwMode="auto">
+          <a:xfrm>
+            <a:off x="7939085" y="-1"/>
+            <a:ext cx="1204915" cy="381001"/>
+          </a:xfrm>
+          <a:prstGeom prst="rect">
+            <a:avLst/>
+          </a:prstGeom>
+          <a:noFill/>
+          <a:ln>
+            <a:noFill/>
+          </a:ln>
+          <a:extLst>
+            <a:ext uri="{909E8E84-426E-40DD-AFC4-6F175D3DCCD1}">
+              <a14:hiddenFill xmlns:a14="http://schemas.microsoft.com/office/drawing/2010/main">
+                <a:solidFill>
+                  <a:schemeClr val="accent1"/>
+                </a:solidFill>
+              </a14:hiddenFill>
+            </a:ext>
+            <a:ext uri="{91240B29-F687-4F45-9708-019B960494DF}">
+              <a14:hiddenLine xmlns:a14="http://schemas.microsoft.com/office/drawing/2010/main" w="9525">
+                <a:solidFill>
+                  <a:schemeClr val="tx1"/>
+                </a:solidFill>
+                <a:miter lim="800000"/>
+                <a:headEnd/>
+                <a:tailEnd/>
+              </a14:hiddenLine>
+            </a:ext>
+          </a:extLst>
+        </p:spPr>
+      </p:pic>
+      <p:pic>
+        <p:nvPicPr>
+          <p:cNvPr id="9" name="Picture 3">
+            <a:extLst>
+              <a:ext uri="{FF2B5EF4-FFF2-40B4-BE49-F238E27FC236}">
+                <a16:creationId xmlns:a16="http://schemas.microsoft.com/office/drawing/2014/main" id="{0F7946BD-709B-44FF-9126-8D71463BB10F}"/>
+              </a:ext>
+            </a:extLst>
+          </p:cNvPr>
+          <p:cNvPicPr>
+            <a:picLocks noChangeAspect="1" noChangeArrowheads="1"/>
+          </p:cNvPicPr>
+          <p:nvPr/>
+        </p:nvPicPr>
+        <p:blipFill>
+          <a:blip r:embed="rId2">
+            <a:extLst>
+              <a:ext uri="{28A0092B-C50C-407E-A947-70E740481C1C}">
+                <a14:useLocalDpi xmlns:a14="http://schemas.microsoft.com/office/drawing/2010/main" val="0"/>
+              </a:ext>
+            </a:extLst>
+          </a:blip>
+          <a:srcRect/>
+          <a:stretch>
+            <a:fillRect/>
+          </a:stretch>
+        </p:blipFill>
+        <p:spPr bwMode="auto">
+          <a:xfrm>
+            <a:off x="2147885" y="3733800"/>
+            <a:ext cx="4633915" cy="1465270"/>
+          </a:xfrm>
+          <a:prstGeom prst="rect">
+            <a:avLst/>
+          </a:prstGeom>
+          <a:noFill/>
+          <a:ln>
+            <a:noFill/>
+          </a:ln>
+          <a:extLst>
+            <a:ext uri="{909E8E84-426E-40DD-AFC4-6F175D3DCCD1}">
+              <a14:hiddenFill xmlns:a14="http://schemas.microsoft.com/office/drawing/2010/main">
+                <a:solidFill>
+                  <a:schemeClr val="accent1"/>
+                </a:solidFill>
+              </a14:hiddenFill>
+            </a:ext>
+            <a:ext uri="{91240B29-F687-4F45-9708-019B960494DF}">
+              <a14:hiddenLine xmlns:a14="http://schemas.microsoft.com/office/drawing/2010/main" w="9525">
+                <a:solidFill>
+                  <a:schemeClr val="tx1"/>
+                </a:solidFill>
+                <a:miter lim="800000"/>
+                <a:headEnd/>
+                <a:tailEnd/>
+              </a14:hiddenLine>
+            </a:ext>
+          </a:extLst>
+        </p:spPr>
+      </p:pic>
     </p:spTree>
     <p:extLst>
       <p:ext uri="{BB962C8B-B14F-4D97-AF65-F5344CB8AC3E}">
@@ -25874,7 +26397,7 @@
           <a:p>
             <a:fld id="{8576B277-947A-4AF0-A006-9ACC9EB83EB2}" type="datetime1">
               <a:rPr lang="ja-JP" altLang="en-US" smtClean="0"/>
-              <a:t>2018/2/1</a:t>
+              <a:t>2018/2/2</a:t>
             </a:fld>
             <a:endParaRPr lang="en-US" dirty="0"/>
           </a:p>
@@ -26428,7 +26951,7 @@
           <a:p>
             <a:fld id="{AFD8C9F0-02EB-4A41-A3D8-A4B8388840CD}" type="datetime1">
               <a:rPr lang="ja-JP" altLang="en-US" smtClean="0"/>
-              <a:t>2018/2/1</a:t>
+              <a:t>2018/2/2</a:t>
             </a:fld>
             <a:endParaRPr lang="en-US" dirty="0"/>
           </a:p>
@@ -26651,7 +27174,7 @@
           <a:p>
             <a:fld id="{AFD8C9F0-02EB-4A41-A3D8-A4B8388840CD}" type="datetime1">
               <a:rPr lang="ja-JP" altLang="en-US" smtClean="0"/>
-              <a:t>2018/2/1</a:t>
+              <a:t>2018/2/2</a:t>
             </a:fld>
             <a:endParaRPr lang="en-US" dirty="0"/>
           </a:p>
@@ -26893,7 +27416,7 @@
           <a:p>
             <a:fld id="{AFD8C9F0-02EB-4A41-A3D8-A4B8388840CD}" type="datetime1">
               <a:rPr lang="ja-JP" altLang="en-US" smtClean="0"/>
-              <a:t>2018/2/1</a:t>
+              <a:t>2018/2/2</a:t>
             </a:fld>
             <a:endParaRPr lang="en-US" dirty="0"/>
           </a:p>
@@ -27173,7 +27696,7 @@
           <a:p>
             <a:fld id="{AFD8C9F0-02EB-4A41-A3D8-A4B8388840CD}" type="datetime1">
               <a:rPr lang="ja-JP" altLang="en-US" smtClean="0"/>
-              <a:t>2018/2/1</a:t>
+              <a:t>2018/2/2</a:t>
             </a:fld>
             <a:endParaRPr lang="en-US" dirty="0"/>
           </a:p>
@@ -27418,7 +27941,7 @@
           <a:p>
             <a:fld id="{AFD8C9F0-02EB-4A41-A3D8-A4B8388840CD}" type="datetime1">
               <a:rPr lang="ja-JP" altLang="en-US" smtClean="0"/>
-              <a:t>2018/2/1</a:t>
+              <a:t>2018/2/2</a:t>
             </a:fld>
             <a:endParaRPr lang="en-US" dirty="0"/>
           </a:p>
